--- a/Dynamics.pptx
+++ b/Dynamics.pptx
@@ -165,10 +165,9 @@
           </a:lstStyle>
           <a:p>
             <a:r>
-              <a:rPr lang="ru-RU" smtClean="0"/>
+              <a:rPr lang="ru-RU"/>
               <a:t>Образец заголовка</a:t>
             </a:r>
-            <a:endParaRPr lang="ru-RU"/>
           </a:p>
         </p:txBody>
       </p:sp>
@@ -230,10 +229,9 @@
           </a:lstStyle>
           <a:p>
             <a:r>
-              <a:rPr lang="ru-RU" smtClean="0"/>
+              <a:rPr lang="ru-RU"/>
               <a:t>Образец подзаголовка</a:t>
             </a:r>
-            <a:endParaRPr lang="ru-RU"/>
           </a:p>
         </p:txBody>
       </p:sp>
@@ -254,7 +252,7 @@
           <a:p>
             <a:fld id="{3EF7250E-9864-446A-B6FD-3F4F8EC3B428}" type="datetimeFigureOut">
               <a:rPr lang="ru-RU" smtClean="0"/>
-              <a:t>15.12.2017</a:t>
+              <a:t>17.12.2017</a:t>
             </a:fld>
             <a:endParaRPr lang="ru-RU"/>
           </a:p>
@@ -348,10 +346,9 @@
           <a:lstStyle/>
           <a:p>
             <a:r>
-              <a:rPr lang="ru-RU" smtClean="0"/>
+              <a:rPr lang="ru-RU"/>
               <a:t>Образец заголовка</a:t>
             </a:r>
-            <a:endParaRPr lang="ru-RU"/>
           </a:p>
         </p:txBody>
       </p:sp>
@@ -372,38 +369,37 @@
           <a:p>
             <a:pPr lvl="0"/>
             <a:r>
-              <a:rPr lang="ru-RU" smtClean="0"/>
+              <a:rPr lang="ru-RU"/>
               <a:t>Образец текста</a:t>
             </a:r>
           </a:p>
           <a:p>
             <a:pPr lvl="1"/>
             <a:r>
-              <a:rPr lang="ru-RU" smtClean="0"/>
+              <a:rPr lang="ru-RU"/>
               <a:t>Второй уровень</a:t>
             </a:r>
           </a:p>
           <a:p>
             <a:pPr lvl="2"/>
             <a:r>
-              <a:rPr lang="ru-RU" smtClean="0"/>
+              <a:rPr lang="ru-RU"/>
               <a:t>Третий уровень</a:t>
             </a:r>
           </a:p>
           <a:p>
             <a:pPr lvl="3"/>
             <a:r>
-              <a:rPr lang="ru-RU" smtClean="0"/>
+              <a:rPr lang="ru-RU"/>
               <a:t>Четвертый уровень</a:t>
             </a:r>
           </a:p>
           <a:p>
             <a:pPr lvl="4"/>
             <a:r>
-              <a:rPr lang="ru-RU" smtClean="0"/>
+              <a:rPr lang="ru-RU"/>
               <a:t>Пятый уровень</a:t>
             </a:r>
-            <a:endParaRPr lang="ru-RU"/>
           </a:p>
         </p:txBody>
       </p:sp>
@@ -424,7 +420,7 @@
           <a:p>
             <a:fld id="{3EF7250E-9864-446A-B6FD-3F4F8EC3B428}" type="datetimeFigureOut">
               <a:rPr lang="ru-RU" smtClean="0"/>
-              <a:t>15.12.2017</a:t>
+              <a:t>17.12.2017</a:t>
             </a:fld>
             <a:endParaRPr lang="ru-RU"/>
           </a:p>
@@ -523,10 +519,9 @@
           <a:lstStyle/>
           <a:p>
             <a:r>
-              <a:rPr lang="ru-RU" smtClean="0"/>
+              <a:rPr lang="ru-RU"/>
               <a:t>Образец заголовка</a:t>
             </a:r>
-            <a:endParaRPr lang="ru-RU"/>
           </a:p>
         </p:txBody>
       </p:sp>
@@ -552,38 +547,37 @@
           <a:p>
             <a:pPr lvl="0"/>
             <a:r>
-              <a:rPr lang="ru-RU" smtClean="0"/>
+              <a:rPr lang="ru-RU"/>
               <a:t>Образец текста</a:t>
             </a:r>
           </a:p>
           <a:p>
             <a:pPr lvl="1"/>
             <a:r>
-              <a:rPr lang="ru-RU" smtClean="0"/>
+              <a:rPr lang="ru-RU"/>
               <a:t>Второй уровень</a:t>
             </a:r>
           </a:p>
           <a:p>
             <a:pPr lvl="2"/>
             <a:r>
-              <a:rPr lang="ru-RU" smtClean="0"/>
+              <a:rPr lang="ru-RU"/>
               <a:t>Третий уровень</a:t>
             </a:r>
           </a:p>
           <a:p>
             <a:pPr lvl="3"/>
             <a:r>
-              <a:rPr lang="ru-RU" smtClean="0"/>
+              <a:rPr lang="ru-RU"/>
               <a:t>Четвертый уровень</a:t>
             </a:r>
           </a:p>
           <a:p>
             <a:pPr lvl="4"/>
             <a:r>
-              <a:rPr lang="ru-RU" smtClean="0"/>
+              <a:rPr lang="ru-RU"/>
               <a:t>Пятый уровень</a:t>
             </a:r>
-            <a:endParaRPr lang="ru-RU"/>
           </a:p>
         </p:txBody>
       </p:sp>
@@ -604,7 +598,7 @@
           <a:p>
             <a:fld id="{3EF7250E-9864-446A-B6FD-3F4F8EC3B428}" type="datetimeFigureOut">
               <a:rPr lang="ru-RU" smtClean="0"/>
-              <a:t>15.12.2017</a:t>
+              <a:t>17.12.2017</a:t>
             </a:fld>
             <a:endParaRPr lang="ru-RU"/>
           </a:p>
@@ -698,10 +692,9 @@
           <a:lstStyle/>
           <a:p>
             <a:r>
-              <a:rPr lang="ru-RU" smtClean="0"/>
+              <a:rPr lang="ru-RU"/>
               <a:t>Образец заголовка</a:t>
             </a:r>
-            <a:endParaRPr lang="ru-RU"/>
           </a:p>
         </p:txBody>
       </p:sp>
@@ -722,38 +715,37 @@
           <a:p>
             <a:pPr lvl="0"/>
             <a:r>
-              <a:rPr lang="ru-RU" smtClean="0"/>
+              <a:rPr lang="ru-RU"/>
               <a:t>Образец текста</a:t>
             </a:r>
           </a:p>
           <a:p>
             <a:pPr lvl="1"/>
             <a:r>
-              <a:rPr lang="ru-RU" smtClean="0"/>
+              <a:rPr lang="ru-RU"/>
               <a:t>Второй уровень</a:t>
             </a:r>
           </a:p>
           <a:p>
             <a:pPr lvl="2"/>
             <a:r>
-              <a:rPr lang="ru-RU" smtClean="0"/>
+              <a:rPr lang="ru-RU"/>
               <a:t>Третий уровень</a:t>
             </a:r>
           </a:p>
           <a:p>
             <a:pPr lvl="3"/>
             <a:r>
-              <a:rPr lang="ru-RU" smtClean="0"/>
+              <a:rPr lang="ru-RU"/>
               <a:t>Четвертый уровень</a:t>
             </a:r>
           </a:p>
           <a:p>
             <a:pPr lvl="4"/>
             <a:r>
-              <a:rPr lang="ru-RU" smtClean="0"/>
+              <a:rPr lang="ru-RU"/>
               <a:t>Пятый уровень</a:t>
             </a:r>
-            <a:endParaRPr lang="ru-RU"/>
           </a:p>
         </p:txBody>
       </p:sp>
@@ -774,7 +766,7 @@
           <a:p>
             <a:fld id="{3EF7250E-9864-446A-B6FD-3F4F8EC3B428}" type="datetimeFigureOut">
               <a:rPr lang="ru-RU" smtClean="0"/>
-              <a:t>15.12.2017</a:t>
+              <a:t>17.12.2017</a:t>
             </a:fld>
             <a:endParaRPr lang="ru-RU"/>
           </a:p>
@@ -877,10 +869,9 @@
           </a:lstStyle>
           <a:p>
             <a:r>
-              <a:rPr lang="ru-RU" smtClean="0"/>
+              <a:rPr lang="ru-RU"/>
               <a:t>Образец заголовка</a:t>
             </a:r>
-            <a:endParaRPr lang="ru-RU"/>
           </a:p>
         </p:txBody>
       </p:sp>
@@ -997,7 +988,7 @@
           <a:p>
             <a:pPr lvl="0"/>
             <a:r>
-              <a:rPr lang="ru-RU" smtClean="0"/>
+              <a:rPr lang="ru-RU"/>
               <a:t>Образец текста</a:t>
             </a:r>
           </a:p>
@@ -1020,7 +1011,7 @@
           <a:p>
             <a:fld id="{3EF7250E-9864-446A-B6FD-3F4F8EC3B428}" type="datetimeFigureOut">
               <a:rPr lang="ru-RU" smtClean="0"/>
-              <a:t>15.12.2017</a:t>
+              <a:t>17.12.2017</a:t>
             </a:fld>
             <a:endParaRPr lang="ru-RU"/>
           </a:p>
@@ -1114,10 +1105,9 @@
           <a:lstStyle/>
           <a:p>
             <a:r>
-              <a:rPr lang="ru-RU" smtClean="0"/>
+              <a:rPr lang="ru-RU"/>
               <a:t>Образец заголовка</a:t>
             </a:r>
-            <a:endParaRPr lang="ru-RU"/>
           </a:p>
         </p:txBody>
       </p:sp>
@@ -1143,38 +1133,37 @@
           <a:p>
             <a:pPr lvl="0"/>
             <a:r>
-              <a:rPr lang="ru-RU" smtClean="0"/>
+              <a:rPr lang="ru-RU"/>
               <a:t>Образец текста</a:t>
             </a:r>
           </a:p>
           <a:p>
             <a:pPr lvl="1"/>
             <a:r>
-              <a:rPr lang="ru-RU" smtClean="0"/>
+              <a:rPr lang="ru-RU"/>
               <a:t>Второй уровень</a:t>
             </a:r>
           </a:p>
           <a:p>
             <a:pPr lvl="2"/>
             <a:r>
-              <a:rPr lang="ru-RU" smtClean="0"/>
+              <a:rPr lang="ru-RU"/>
               <a:t>Третий уровень</a:t>
             </a:r>
           </a:p>
           <a:p>
             <a:pPr lvl="3"/>
             <a:r>
-              <a:rPr lang="ru-RU" smtClean="0"/>
+              <a:rPr lang="ru-RU"/>
               <a:t>Четвертый уровень</a:t>
             </a:r>
           </a:p>
           <a:p>
             <a:pPr lvl="4"/>
             <a:r>
-              <a:rPr lang="ru-RU" smtClean="0"/>
+              <a:rPr lang="ru-RU"/>
               <a:t>Пятый уровень</a:t>
             </a:r>
-            <a:endParaRPr lang="ru-RU"/>
           </a:p>
         </p:txBody>
       </p:sp>
@@ -1200,38 +1189,37 @@
           <a:p>
             <a:pPr lvl="0"/>
             <a:r>
-              <a:rPr lang="ru-RU" smtClean="0"/>
+              <a:rPr lang="ru-RU"/>
               <a:t>Образец текста</a:t>
             </a:r>
           </a:p>
           <a:p>
             <a:pPr lvl="1"/>
             <a:r>
-              <a:rPr lang="ru-RU" smtClean="0"/>
+              <a:rPr lang="ru-RU"/>
               <a:t>Второй уровень</a:t>
             </a:r>
           </a:p>
           <a:p>
             <a:pPr lvl="2"/>
             <a:r>
-              <a:rPr lang="ru-RU" smtClean="0"/>
+              <a:rPr lang="ru-RU"/>
               <a:t>Третий уровень</a:t>
             </a:r>
           </a:p>
           <a:p>
             <a:pPr lvl="3"/>
             <a:r>
-              <a:rPr lang="ru-RU" smtClean="0"/>
+              <a:rPr lang="ru-RU"/>
               <a:t>Четвертый уровень</a:t>
             </a:r>
           </a:p>
           <a:p>
             <a:pPr lvl="4"/>
             <a:r>
-              <a:rPr lang="ru-RU" smtClean="0"/>
+              <a:rPr lang="ru-RU"/>
               <a:t>Пятый уровень</a:t>
             </a:r>
-            <a:endParaRPr lang="ru-RU"/>
           </a:p>
         </p:txBody>
       </p:sp>
@@ -1252,7 +1240,7 @@
           <a:p>
             <a:fld id="{3EF7250E-9864-446A-B6FD-3F4F8EC3B428}" type="datetimeFigureOut">
               <a:rPr lang="ru-RU" smtClean="0"/>
-              <a:t>15.12.2017</a:t>
+              <a:t>17.12.2017</a:t>
             </a:fld>
             <a:endParaRPr lang="ru-RU"/>
           </a:p>
@@ -1351,10 +1339,9 @@
           <a:lstStyle/>
           <a:p>
             <a:r>
-              <a:rPr lang="ru-RU" smtClean="0"/>
+              <a:rPr lang="ru-RU"/>
               <a:t>Образец заголовка</a:t>
             </a:r>
-            <a:endParaRPr lang="ru-RU"/>
           </a:p>
         </p:txBody>
       </p:sp>
@@ -1417,7 +1404,7 @@
           <a:p>
             <a:pPr lvl="0"/>
             <a:r>
-              <a:rPr lang="ru-RU" smtClean="0"/>
+              <a:rPr lang="ru-RU"/>
               <a:t>Образец текста</a:t>
             </a:r>
           </a:p>
@@ -1445,38 +1432,37 @@
           <a:p>
             <a:pPr lvl="0"/>
             <a:r>
-              <a:rPr lang="ru-RU" smtClean="0"/>
+              <a:rPr lang="ru-RU"/>
               <a:t>Образец текста</a:t>
             </a:r>
           </a:p>
           <a:p>
             <a:pPr lvl="1"/>
             <a:r>
-              <a:rPr lang="ru-RU" smtClean="0"/>
+              <a:rPr lang="ru-RU"/>
               <a:t>Второй уровень</a:t>
             </a:r>
           </a:p>
           <a:p>
             <a:pPr lvl="2"/>
             <a:r>
-              <a:rPr lang="ru-RU" smtClean="0"/>
+              <a:rPr lang="ru-RU"/>
               <a:t>Третий уровень</a:t>
             </a:r>
           </a:p>
           <a:p>
             <a:pPr lvl="3"/>
             <a:r>
-              <a:rPr lang="ru-RU" smtClean="0"/>
+              <a:rPr lang="ru-RU"/>
               <a:t>Четвертый уровень</a:t>
             </a:r>
           </a:p>
           <a:p>
             <a:pPr lvl="4"/>
             <a:r>
-              <a:rPr lang="ru-RU" smtClean="0"/>
+              <a:rPr lang="ru-RU"/>
               <a:t>Пятый уровень</a:t>
             </a:r>
-            <a:endParaRPr lang="ru-RU"/>
           </a:p>
         </p:txBody>
       </p:sp>
@@ -1539,7 +1525,7 @@
           <a:p>
             <a:pPr lvl="0"/>
             <a:r>
-              <a:rPr lang="ru-RU" smtClean="0"/>
+              <a:rPr lang="ru-RU"/>
               <a:t>Образец текста</a:t>
             </a:r>
           </a:p>
@@ -1567,38 +1553,37 @@
           <a:p>
             <a:pPr lvl="0"/>
             <a:r>
-              <a:rPr lang="ru-RU" smtClean="0"/>
+              <a:rPr lang="ru-RU"/>
               <a:t>Образец текста</a:t>
             </a:r>
           </a:p>
           <a:p>
             <a:pPr lvl="1"/>
             <a:r>
-              <a:rPr lang="ru-RU" smtClean="0"/>
+              <a:rPr lang="ru-RU"/>
               <a:t>Второй уровень</a:t>
             </a:r>
           </a:p>
           <a:p>
             <a:pPr lvl="2"/>
             <a:r>
-              <a:rPr lang="ru-RU" smtClean="0"/>
+              <a:rPr lang="ru-RU"/>
               <a:t>Третий уровень</a:t>
             </a:r>
           </a:p>
           <a:p>
             <a:pPr lvl="3"/>
             <a:r>
-              <a:rPr lang="ru-RU" smtClean="0"/>
+              <a:rPr lang="ru-RU"/>
               <a:t>Четвертый уровень</a:t>
             </a:r>
           </a:p>
           <a:p>
             <a:pPr lvl="4"/>
             <a:r>
-              <a:rPr lang="ru-RU" smtClean="0"/>
+              <a:rPr lang="ru-RU"/>
               <a:t>Пятый уровень</a:t>
             </a:r>
-            <a:endParaRPr lang="ru-RU"/>
           </a:p>
         </p:txBody>
       </p:sp>
@@ -1619,7 +1604,7 @@
           <a:p>
             <a:fld id="{3EF7250E-9864-446A-B6FD-3F4F8EC3B428}" type="datetimeFigureOut">
               <a:rPr lang="ru-RU" smtClean="0"/>
-              <a:t>15.12.2017</a:t>
+              <a:t>17.12.2017</a:t>
             </a:fld>
             <a:endParaRPr lang="ru-RU"/>
           </a:p>
@@ -1713,10 +1698,9 @@
           <a:lstStyle/>
           <a:p>
             <a:r>
-              <a:rPr lang="ru-RU" smtClean="0"/>
+              <a:rPr lang="ru-RU"/>
               <a:t>Образец заголовка</a:t>
             </a:r>
-            <a:endParaRPr lang="ru-RU"/>
           </a:p>
         </p:txBody>
       </p:sp>
@@ -1737,7 +1721,7 @@
           <a:p>
             <a:fld id="{3EF7250E-9864-446A-B6FD-3F4F8EC3B428}" type="datetimeFigureOut">
               <a:rPr lang="ru-RU" smtClean="0"/>
-              <a:t>15.12.2017</a:t>
+              <a:t>17.12.2017</a:t>
             </a:fld>
             <a:endParaRPr lang="ru-RU"/>
           </a:p>
@@ -1832,7 +1816,7 @@
           <a:p>
             <a:fld id="{3EF7250E-9864-446A-B6FD-3F4F8EC3B428}" type="datetimeFigureOut">
               <a:rPr lang="ru-RU" smtClean="0"/>
-              <a:t>15.12.2017</a:t>
+              <a:t>17.12.2017</a:t>
             </a:fld>
             <a:endParaRPr lang="ru-RU"/>
           </a:p>
@@ -1935,10 +1919,9 @@
           </a:lstStyle>
           <a:p>
             <a:r>
-              <a:rPr lang="ru-RU" smtClean="0"/>
+              <a:rPr lang="ru-RU"/>
               <a:t>Образец заголовка</a:t>
             </a:r>
-            <a:endParaRPr lang="ru-RU"/>
           </a:p>
         </p:txBody>
       </p:sp>
@@ -1992,38 +1975,37 @@
           <a:p>
             <a:pPr lvl="0"/>
             <a:r>
-              <a:rPr lang="ru-RU" smtClean="0"/>
+              <a:rPr lang="ru-RU"/>
               <a:t>Образец текста</a:t>
             </a:r>
           </a:p>
           <a:p>
             <a:pPr lvl="1"/>
             <a:r>
-              <a:rPr lang="ru-RU" smtClean="0"/>
+              <a:rPr lang="ru-RU"/>
               <a:t>Второй уровень</a:t>
             </a:r>
           </a:p>
           <a:p>
             <a:pPr lvl="2"/>
             <a:r>
-              <a:rPr lang="ru-RU" smtClean="0"/>
+              <a:rPr lang="ru-RU"/>
               <a:t>Третий уровень</a:t>
             </a:r>
           </a:p>
           <a:p>
             <a:pPr lvl="3"/>
             <a:r>
-              <a:rPr lang="ru-RU" smtClean="0"/>
+              <a:rPr lang="ru-RU"/>
               <a:t>Четвертый уровень</a:t>
             </a:r>
           </a:p>
           <a:p>
             <a:pPr lvl="4"/>
             <a:r>
-              <a:rPr lang="ru-RU" smtClean="0"/>
+              <a:rPr lang="ru-RU"/>
               <a:t>Пятый уровень</a:t>
             </a:r>
-            <a:endParaRPr lang="ru-RU"/>
           </a:p>
         </p:txBody>
       </p:sp>
@@ -2086,7 +2068,7 @@
           <a:p>
             <a:pPr lvl="0"/>
             <a:r>
-              <a:rPr lang="ru-RU" smtClean="0"/>
+              <a:rPr lang="ru-RU"/>
               <a:t>Образец текста</a:t>
             </a:r>
           </a:p>
@@ -2109,7 +2091,7 @@
           <a:p>
             <a:fld id="{3EF7250E-9864-446A-B6FD-3F4F8EC3B428}" type="datetimeFigureOut">
               <a:rPr lang="ru-RU" smtClean="0"/>
-              <a:t>15.12.2017</a:t>
+              <a:t>17.12.2017</a:t>
             </a:fld>
             <a:endParaRPr lang="ru-RU"/>
           </a:p>
@@ -2212,10 +2194,9 @@
           </a:lstStyle>
           <a:p>
             <a:r>
-              <a:rPr lang="ru-RU" smtClean="0"/>
+              <a:rPr lang="ru-RU"/>
               <a:t>Образец заголовка</a:t>
             </a:r>
-            <a:endParaRPr lang="ru-RU"/>
           </a:p>
         </p:txBody>
       </p:sp>
@@ -2339,7 +2320,7 @@
           <a:p>
             <a:pPr lvl="0"/>
             <a:r>
-              <a:rPr lang="ru-RU" smtClean="0"/>
+              <a:rPr lang="ru-RU"/>
               <a:t>Образец текста</a:t>
             </a:r>
           </a:p>
@@ -2362,7 +2343,7 @@
           <a:p>
             <a:fld id="{3EF7250E-9864-446A-B6FD-3F4F8EC3B428}" type="datetimeFigureOut">
               <a:rPr lang="ru-RU" smtClean="0"/>
-              <a:t>15.12.2017</a:t>
+              <a:t>17.12.2017</a:t>
             </a:fld>
             <a:endParaRPr lang="ru-RU"/>
           </a:p>
@@ -2477,10 +2458,9 @@
           <a:lstStyle/>
           <a:p>
             <a:r>
-              <a:rPr lang="ru-RU" smtClean="0"/>
+              <a:rPr lang="ru-RU"/>
               <a:t>Образец заголовка</a:t>
             </a:r>
-            <a:endParaRPr lang="ru-RU"/>
           </a:p>
         </p:txBody>
       </p:sp>
@@ -2511,38 +2491,37 @@
           <a:p>
             <a:pPr lvl="0"/>
             <a:r>
-              <a:rPr lang="ru-RU" smtClean="0"/>
+              <a:rPr lang="ru-RU"/>
               <a:t>Образец текста</a:t>
             </a:r>
           </a:p>
           <a:p>
             <a:pPr lvl="1"/>
             <a:r>
-              <a:rPr lang="ru-RU" smtClean="0"/>
+              <a:rPr lang="ru-RU"/>
               <a:t>Второй уровень</a:t>
             </a:r>
           </a:p>
           <a:p>
             <a:pPr lvl="2"/>
             <a:r>
-              <a:rPr lang="ru-RU" smtClean="0"/>
+              <a:rPr lang="ru-RU"/>
               <a:t>Третий уровень</a:t>
             </a:r>
           </a:p>
           <a:p>
             <a:pPr lvl="3"/>
             <a:r>
-              <a:rPr lang="ru-RU" smtClean="0"/>
+              <a:rPr lang="ru-RU"/>
               <a:t>Четвертый уровень</a:t>
             </a:r>
           </a:p>
           <a:p>
             <a:pPr lvl="4"/>
             <a:r>
-              <a:rPr lang="ru-RU" smtClean="0"/>
+              <a:rPr lang="ru-RU"/>
               <a:t>Пятый уровень</a:t>
             </a:r>
-            <a:endParaRPr lang="ru-RU"/>
           </a:p>
         </p:txBody>
       </p:sp>
@@ -2581,7 +2560,7 @@
           <a:p>
             <a:fld id="{3EF7250E-9864-446A-B6FD-3F4F8EC3B428}" type="datetimeFigureOut">
               <a:rPr lang="ru-RU" smtClean="0"/>
-              <a:t>15.12.2017</a:t>
+              <a:t>17.12.2017</a:t>
             </a:fld>
             <a:endParaRPr lang="ru-RU"/>
           </a:p>
@@ -3009,7 +2988,7 @@
           <a:lstStyle/>
           <a:p>
             <a:r>
-              <a:rPr lang="en-US" sz="7200" dirty="0" smtClean="0">
+              <a:rPr lang="en-US" sz="7200" dirty="0">
                 <a:latin typeface="Algerian" panose="04020705040A02060702" pitchFamily="82" charset="0"/>
               </a:rPr>
               <a:t>Dynamics</a:t>
@@ -3044,14 +3023,11 @@
               <a:buNone/>
             </a:pPr>
             <a:r>
-              <a:rPr lang="ru-RU" dirty="0" smtClean="0">
+              <a:rPr lang="ru-RU" dirty="0">
                 <a:latin typeface="Segoe Print" panose="02000600000000000000" pitchFamily="2" charset="0"/>
               </a:rPr>
               <a:t>Простой двумерный физический движок</a:t>
             </a:r>
-            <a:endParaRPr lang="ru-RU" dirty="0">
-              <a:latin typeface="Segoe Print" panose="02000600000000000000" pitchFamily="2" charset="0"/>
-            </a:endParaRPr>
           </a:p>
         </p:txBody>
       </p:sp>
@@ -3065,13 +3041,6 @@
   <p:clrMapOvr>
     <a:masterClrMapping/>
   </p:clrMapOvr>
-  <p:timing>
-    <p:tnLst>
-      <p:par>
-        <p:cTn id="1" dur="indefinite" restart="never" nodeType="tmRoot"/>
-      </p:par>
-    </p:tnLst>
-  </p:timing>
 </p:sld>
 </file>
 
@@ -3144,10 +3113,9 @@
           <a:lstStyle/>
           <a:p>
             <a:r>
-              <a:rPr lang="ru-RU" sz="2800" dirty="0" smtClean="0"/>
+              <a:rPr lang="ru-RU" sz="2800" dirty="0"/>
               <a:t>А так стало после введения рандомизации:</a:t>
             </a:r>
-            <a:endParaRPr lang="ru-RU" sz="2800" dirty="0"/>
           </a:p>
         </p:txBody>
       </p:sp>
@@ -3322,10 +3290,9 @@
           <a:lstStyle/>
           <a:p>
             <a:r>
-              <a:rPr lang="ru-RU" dirty="0" smtClean="0"/>
+              <a:rPr lang="ru-RU" dirty="0"/>
               <a:t>Цели:</a:t>
             </a:r>
-            <a:endParaRPr lang="ru-RU" dirty="0"/>
           </a:p>
         </p:txBody>
       </p:sp>
@@ -3353,7 +3320,7 @@
               <a:buNone/>
             </a:pPr>
             <a:r>
-              <a:rPr lang="ru-RU" dirty="0" smtClean="0"/>
+              <a:rPr lang="ru-RU" dirty="0"/>
               <a:t>Программа должна генерировать и физически корректно двигать случайные выпуклые многоугольники</a:t>
             </a:r>
           </a:p>
@@ -3368,7 +3335,7 @@
               <a:buNone/>
             </a:pPr>
             <a:r>
-              <a:rPr lang="ru-RU" dirty="0" smtClean="0"/>
+              <a:rPr lang="ru-RU" dirty="0"/>
               <a:t>Пользователь должен просто смотреть на экран</a:t>
             </a:r>
           </a:p>
@@ -3384,13 +3351,6 @@
   <p:clrMapOvr>
     <a:masterClrMapping/>
   </p:clrMapOvr>
-  <p:timing>
-    <p:tnLst>
-      <p:par>
-        <p:cTn id="1" dur="indefinite" restart="never" nodeType="tmRoot"/>
-      </p:par>
-    </p:tnLst>
-  </p:timing>
 </p:sld>
 </file>
 
@@ -3427,10 +3387,9 @@
           <a:lstStyle/>
           <a:p>
             <a:r>
-              <a:rPr lang="ru-RU" dirty="0" smtClean="0"/>
+              <a:rPr lang="ru-RU" dirty="0"/>
               <a:t>Техническое задание</a:t>
             </a:r>
-            <a:endParaRPr lang="ru-RU" dirty="0"/>
           </a:p>
         </p:txBody>
       </p:sp>
@@ -3453,7 +3412,7 @@
               <a:buNone/>
             </a:pPr>
             <a:r>
-              <a:rPr lang="ru-RU" dirty="0" smtClean="0"/>
+              <a:rPr lang="ru-RU" dirty="0"/>
               <a:t>При запуске запрашивается кол-во тел (выпуклых многоугольников), а также их минимальные и максимальные начальные скорости, размеры, массы, количества вершин</a:t>
             </a:r>
           </a:p>
@@ -3468,7 +3427,7 @@
               <a:buNone/>
             </a:pPr>
             <a:r>
-              <a:rPr lang="ru-RU" dirty="0" smtClean="0"/>
+              <a:rPr lang="ru-RU" dirty="0"/>
               <a:t>Программа генерирует тела, удовлетворяющие данным параметрам и затем отображает их на экране</a:t>
             </a:r>
           </a:p>
@@ -3483,10 +3442,9 @@
               <a:buNone/>
             </a:pPr>
             <a:r>
-              <a:rPr lang="ru-RU" dirty="0" smtClean="0"/>
+              <a:rPr lang="ru-RU" dirty="0"/>
               <a:t>Тела взаимодействуют согласно законам классической физики</a:t>
             </a:r>
-            <a:endParaRPr lang="ru-RU" dirty="0"/>
           </a:p>
         </p:txBody>
       </p:sp>
@@ -3500,13 +3458,6 @@
   <p:clrMapOvr>
     <a:masterClrMapping/>
   </p:clrMapOvr>
-  <p:timing>
-    <p:tnLst>
-      <p:par>
-        <p:cTn id="1" dur="indefinite" restart="never" nodeType="tmRoot"/>
-      </p:par>
-    </p:tnLst>
-  </p:timing>
 </p:sld>
 </file>
 
@@ -3543,10 +3494,9 @@
           <a:lstStyle/>
           <a:p>
             <a:r>
-              <a:rPr lang="ru-RU" dirty="0" smtClean="0"/>
+              <a:rPr lang="ru-RU" dirty="0"/>
               <a:t>Средства</a:t>
             </a:r>
-            <a:endParaRPr lang="ru-RU" dirty="0"/>
           </a:p>
         </p:txBody>
       </p:sp>
@@ -3574,7 +3524,7 @@
               <a:buNone/>
             </a:pPr>
             <a:r>
-              <a:rPr lang="en-US" dirty="0" smtClean="0"/>
+              <a:rPr lang="en-US" dirty="0"/>
               <a:t>C++</a:t>
             </a:r>
           </a:p>
@@ -3582,73 +3532,72 @@
             <a:pPr marL="0" indent="0">
               <a:buNone/>
             </a:pPr>
-            <a:endParaRPr lang="en-US" dirty="0" smtClean="0"/>
+            <a:endParaRPr lang="en-US" dirty="0"/>
           </a:p>
           <a:p>
             <a:pPr marL="0" indent="0">
               <a:buNone/>
             </a:pPr>
             <a:r>
-              <a:rPr lang="en-US" dirty="0" err="1" smtClean="0"/>
+              <a:rPr lang="en-US" dirty="0" err="1"/>
               <a:t>freeGLUt</a:t>
             </a:r>
             <a:r>
-              <a:rPr lang="en-US" dirty="0" smtClean="0"/>
+              <a:rPr lang="en-US" dirty="0"/>
               <a:t> - </a:t>
             </a:r>
             <a:r>
-              <a:rPr lang="ru-RU" dirty="0" smtClean="0"/>
+              <a:rPr lang="ru-RU" dirty="0"/>
               <a:t>открытая альтернатива </a:t>
             </a:r>
             <a:r>
-              <a:rPr lang="ru-RU" dirty="0" err="1" smtClean="0"/>
+              <a:rPr lang="ru-RU" dirty="0" err="1"/>
               <a:t>OpenGL</a:t>
             </a:r>
             <a:r>
-              <a:rPr lang="ru-RU" dirty="0" smtClean="0"/>
+              <a:rPr lang="ru-RU" dirty="0"/>
               <a:t> </a:t>
             </a:r>
             <a:r>
-              <a:rPr lang="ru-RU" dirty="0" err="1" smtClean="0"/>
+              <a:rPr lang="ru-RU" dirty="0" err="1"/>
               <a:t>Utility</a:t>
             </a:r>
             <a:r>
-              <a:rPr lang="ru-RU" dirty="0" smtClean="0"/>
+              <a:rPr lang="ru-RU" dirty="0"/>
               <a:t> </a:t>
             </a:r>
             <a:r>
-              <a:rPr lang="ru-RU" dirty="0" err="1" smtClean="0"/>
+              <a:rPr lang="ru-RU" dirty="0" err="1"/>
               <a:t>Toolkit</a:t>
             </a:r>
             <a:r>
-              <a:rPr lang="ru-RU" dirty="0" smtClean="0"/>
+              <a:rPr lang="ru-RU" dirty="0"/>
               <a:t> (GLUT). GLUT (и, следовательно, </a:t>
             </a:r>
             <a:r>
-              <a:rPr lang="ru-RU" dirty="0" err="1" smtClean="0"/>
+              <a:rPr lang="ru-RU" dirty="0" err="1"/>
               <a:t>freeglut</a:t>
             </a:r>
             <a:r>
-              <a:rPr lang="ru-RU" dirty="0" smtClean="0"/>
+              <a:rPr lang="ru-RU" dirty="0"/>
               <a:t>) позволяет пользователю создавать окна, предоставляющие контекст </a:t>
             </a:r>
             <a:r>
-              <a:rPr lang="ru-RU" dirty="0" err="1" smtClean="0"/>
+              <a:rPr lang="ru-RU" dirty="0" err="1"/>
               <a:t>OpenGL</a:t>
             </a:r>
             <a:r>
-              <a:rPr lang="ru-RU" dirty="0" smtClean="0"/>
+              <a:rPr lang="ru-RU" dirty="0"/>
               <a:t> на широком спектре платформ, и управлять ими, а также взаимодействовать с мышью, клавиатурой и джойстиком. </a:t>
             </a:r>
             <a:r>
-              <a:rPr lang="ru-RU" dirty="0" err="1" smtClean="0"/>
+              <a:rPr lang="ru-RU" dirty="0" err="1"/>
               <a:t>freeglut</a:t>
             </a:r>
             <a:r>
-              <a:rPr lang="ru-RU" dirty="0" smtClean="0"/>
+              <a:rPr lang="ru-RU" dirty="0"/>
               <a:t> предназначена для полной замены GLUT, и имеет очень немного отличий от неё.</a:t>
             </a:r>
-            <a:endParaRPr lang="ru-RU" dirty="0"/>
           </a:p>
         </p:txBody>
       </p:sp>
@@ -3662,13 +3611,6 @@
   <p:clrMapOvr>
     <a:masterClrMapping/>
   </p:clrMapOvr>
-  <p:timing>
-    <p:tnLst>
-      <p:par>
-        <p:cTn id="1" dur="indefinite" restart="never" nodeType="tmRoot"/>
-      </p:par>
-    </p:tnLst>
-  </p:timing>
 </p:sld>
 </file>
 
@@ -3744,10 +3686,9 @@
           <a:lstStyle/>
           <a:p>
             <a:r>
-              <a:rPr lang="ru-RU" dirty="0" smtClean="0"/>
+              <a:rPr lang="ru-RU" dirty="0"/>
               <a:t>Немножко о генерации многоугольников</a:t>
             </a:r>
-            <a:endParaRPr lang="ru-RU" dirty="0"/>
           </a:p>
         </p:txBody>
       </p:sp>
@@ -3777,22 +3718,22 @@
                   <a:buNone/>
                 </a:pPr>
                 <a:r>
-                  <a:rPr lang="ru-RU" dirty="0" smtClean="0"/>
+                  <a:rPr lang="ru-RU" dirty="0"/>
                   <a:t>Вершин </a:t>
                 </a:r>
                 <a:r>
-                  <a:rPr lang="en-US" dirty="0" smtClean="0"/>
+                  <a:rPr lang="en-US" dirty="0"/>
                   <a:t>n</a:t>
                 </a:r>
                 <a:r>
-                  <a:rPr lang="ru-RU" dirty="0" smtClean="0"/>
+                  <a:rPr lang="ru-RU" dirty="0"/>
                   <a:t>, радиус </a:t>
                 </a:r>
                 <a:r>
-                  <a:rPr lang="en-US" dirty="0" smtClean="0"/>
+                  <a:rPr lang="en-US" dirty="0"/>
                   <a:t>R</a:t>
                 </a:r>
-                <a:endParaRPr lang="ru-RU" dirty="0" smtClean="0"/>
+                <a:endParaRPr lang="ru-RU" dirty="0"/>
               </a:p>
               <a:p>
                 <a:pPr marL="0" indent="0">
@@ -3805,7 +3746,7 @@
                   <a:buNone/>
                 </a:pPr>
                 <a:r>
-                  <a:rPr lang="ru-RU" dirty="0" smtClean="0"/>
+                  <a:rPr lang="ru-RU" dirty="0"/>
                   <a:t>Угол между вершинами</a:t>
                 </a:r>
               </a:p>
@@ -3814,11 +3755,11 @@
                   <a:buNone/>
                 </a:pPr>
                 <a:r>
-                  <a:rPr lang="el-GR" dirty="0" smtClean="0"/>
+                  <a:rPr lang="el-GR" dirty="0"/>
                   <a:t>α</a:t>
                 </a:r>
                 <a:r>
-                  <a:rPr lang="ru-RU" dirty="0" smtClean="0"/>
+                  <a:rPr lang="ru-RU" dirty="0"/>
                   <a:t> = </a:t>
                 </a:r>
                 <a14:m>
@@ -3860,7 +3801,7 @@
                     </m:f>
                   </m:oMath>
                 </a14:m>
-                <a:endParaRPr lang="ru-RU" dirty="0" smtClean="0"/>
+                <a:endParaRPr lang="ru-RU" dirty="0"/>
               </a:p>
               <a:p>
                 <a:pPr marL="0" indent="0">
@@ -3873,10 +3814,10 @@
                   <a:buNone/>
                 </a:pPr>
                 <a:r>
-                  <a:rPr lang="ru-RU" dirty="0" smtClean="0"/>
+                  <a:rPr lang="ru-RU" dirty="0"/>
                   <a:t>Расстояние от центра до вершины</a:t>
                 </a:r>
-                <a:endParaRPr lang="en-US" dirty="0" smtClean="0"/>
+                <a:endParaRPr lang="en-US" dirty="0"/>
               </a:p>
               <a:p>
                 <a:pPr marL="0" indent="0">
@@ -3884,37 +3825,33 @@
                 </a:pPr>
                 <a:r>
                   <a:rPr lang="en-US" dirty="0"/>
-                  <a:t>r</a:t>
+                  <a:t>r </a:t>
                 </a:r>
                 <a:r>
-                  <a:rPr lang="en-US" dirty="0" smtClean="0"/>
-                  <a:t> </a:t>
-                </a:r>
-                <a:r>
-                  <a:rPr lang="ru-RU" dirty="0" smtClean="0"/>
+                  <a:rPr lang="ru-RU" dirty="0"/>
                   <a:t>∈</a:t>
                 </a:r>
                 <a:r>
-                  <a:rPr lang="en-US" dirty="0" smtClean="0"/>
+                  <a:rPr lang="en-US" dirty="0"/>
                   <a:t> [</a:t>
                 </a:r>
                 <a:r>
-                  <a:rPr lang="en-US" dirty="0" err="1" smtClean="0"/>
+                  <a:rPr lang="en-US" dirty="0" err="1"/>
                   <a:t>Rcos</a:t>
                 </a:r>
                 <a:r>
-                  <a:rPr lang="en-US" dirty="0" smtClean="0"/>
+                  <a:rPr lang="en-US" dirty="0"/>
                   <a:t>(</a:t>
                 </a:r>
                 <a:r>
-                  <a:rPr lang="el-GR" dirty="0" smtClean="0"/>
+                  <a:rPr lang="el-GR" dirty="0"/>
                   <a:t>α</a:t>
                 </a:r>
                 <a:r>
-                  <a:rPr lang="en-US" dirty="0" smtClean="0"/>
+                  <a:rPr lang="en-US" dirty="0"/>
                   <a:t>), R]</a:t>
                 </a:r>
-                <a:endParaRPr lang="ru-RU" dirty="0" smtClean="0"/>
+                <a:endParaRPr lang="ru-RU" dirty="0"/>
               </a:p>
             </p:txBody>
           </p:sp>
@@ -3967,13 +3904,6 @@
   <p:clrMapOvr>
     <a:masterClrMapping/>
   </p:clrMapOvr>
-  <p:timing>
-    <p:tnLst>
-      <p:par>
-        <p:cTn id="1" dur="indefinite" restart="never" nodeType="tmRoot"/>
-      </p:par>
-    </p:tnLst>
-  </p:timing>
 </p:sld>
 </file>
 
@@ -4015,7 +3945,7 @@
           <a:lstStyle/>
           <a:p>
             <a:r>
-              <a:rPr lang="en-US" dirty="0" smtClean="0">
+              <a:rPr lang="en-US" dirty="0">
                 <a:latin typeface="Imprint MT Shadow" panose="04020605060303030202" pitchFamily="82" charset="0"/>
               </a:rPr>
               <a:t>How it works</a:t>
@@ -4045,7 +3975,7 @@
               <a:buNone/>
             </a:pPr>
             <a:r>
-              <a:rPr lang="ru-RU" dirty="0" smtClean="0"/>
+              <a:rPr lang="ru-RU" dirty="0"/>
               <a:t>Проходим по всем парам тел и проверяем, есть ли среди них потенциально столкнувшиеся (т.е. на расстоянии не больше двух радиусов)</a:t>
             </a:r>
           </a:p>
@@ -4060,7 +3990,7 @@
               <a:buNone/>
             </a:pPr>
             <a:r>
-              <a:rPr lang="ru-RU" dirty="0" smtClean="0"/>
+              <a:rPr lang="ru-RU" dirty="0"/>
               <a:t>Проходим по вершинам потенциально столкнувшихся и проверяем, не находится ли какая-то из них внутри другого многоугольника</a:t>
             </a:r>
           </a:p>
@@ -4075,11 +4005,11 @@
               <a:buNone/>
             </a:pPr>
             <a:r>
-              <a:rPr lang="ru-RU" dirty="0" smtClean="0"/>
+              <a:rPr lang="ru-RU" dirty="0"/>
               <a:t>Растаскиваем тела от проникновения до касания, </a:t>
             </a:r>
             <a:r>
-              <a:rPr lang="en-US" strike="sngStrike" dirty="0" smtClean="0">
+              <a:rPr lang="en-US" strike="sngStrike" dirty="0">
                 <a:solidFill>
                   <a:srgbClr val="00B0F0"/>
                 </a:solidFill>
@@ -4088,7 +4018,7 @@
               <a:t>Magic</a:t>
             </a:r>
             <a:r>
-              <a:rPr lang="ru-RU" dirty="0" smtClean="0">
+              <a:rPr lang="ru-RU" dirty="0">
                 <a:solidFill>
                   <a:srgbClr val="FF0000"/>
                 </a:solidFill>
@@ -4096,7 +4026,7 @@
               <a:t>считаем</a:t>
             </a:r>
             <a:r>
-              <a:rPr lang="ru-RU" dirty="0" smtClean="0"/>
+              <a:rPr lang="ru-RU" dirty="0"/>
               <a:t> и придаем им импульсы</a:t>
             </a:r>
           </a:p>
@@ -4167,7 +4097,7 @@
           <a:lstStyle/>
           <a:p>
             <a:r>
-              <a:rPr lang="ru-RU" dirty="0" smtClean="0">
+              <a:rPr lang="ru-RU" dirty="0">
                 <a:latin typeface="Segoe Print" panose="02000600000000000000" pitchFamily="2" charset="0"/>
               </a:rPr>
               <a:t>Не только лишь все фигуры могут проникать в другие, другие также могут проникать во все</a:t>
@@ -4185,13 +4115,6 @@
   <p:clrMapOvr>
     <a:masterClrMapping/>
   </p:clrMapOvr>
-  <p:timing>
-    <p:tnLst>
-      <p:par>
-        <p:cTn id="1" dur="indefinite" restart="never" nodeType="tmRoot"/>
-      </p:par>
-    </p:tnLst>
-  </p:timing>
 </p:sld>
 </file>
 
@@ -4233,7 +4156,7 @@
           <a:lstStyle/>
           <a:p>
             <a:r>
-              <a:rPr lang="en-US" dirty="0" smtClean="0">
+              <a:rPr lang="en-US" dirty="0">
                 <a:latin typeface="Forte" panose="03060902040502070203" pitchFamily="66" charset="0"/>
               </a:rPr>
               <a:t>Some details</a:t>
@@ -4242,8 +4165,8 @@
           </a:p>
         </p:txBody>
       </p:sp>
-      <mc:AlternateContent xmlns:mc="http://schemas.openxmlformats.org/markup-compatibility/2006" xmlns:a14="http://schemas.microsoft.com/office/drawing/2010/main">
-        <mc:Choice Requires="a14">
+      <mc:AlternateContent xmlns:mc="http://schemas.openxmlformats.org/markup-compatibility/2006">
+        <mc:Choice xmlns:a14="http://schemas.microsoft.com/office/drawing/2010/main" Requires="a14">
           <p:sp>
             <p:nvSpPr>
               <p:cNvPr id="3" name="Объект 2"/>
@@ -4256,8 +4179,8 @@
             </p:nvSpPr>
             <p:spPr>
               <a:xfrm>
-                <a:off x="838199" y="1825625"/>
-                <a:ext cx="10964779" cy="4351338"/>
+                <a:off x="246871" y="1690688"/>
+                <a:ext cx="6801709" cy="4351338"/>
               </a:xfrm>
             </p:spPr>
             <p:txBody>
@@ -4268,16 +4191,20 @@
                   <a:buNone/>
                 </a:pPr>
                 <a:r>
-                  <a:rPr lang="ru-RU" dirty="0" smtClean="0"/>
-                  <a:t>Для обнаружения проникновения используется выражение</a:t>
+                  <a:rPr lang="ru-RU" dirty="0"/>
+                  <a:t>Для обнаружения проникновения </a:t>
                 </a:r>
-                <a:endParaRPr lang="en-US" dirty="0" smtClean="0"/>
+                <a:r>
+                  <a:rPr lang="ru-RU"/>
+                  <a:t>используется векторное произведение</a:t>
+                </a:r>
+                <a:endParaRPr lang="en-US" dirty="0"/>
               </a:p>
               <a:p>
                 <a:pPr marL="0" indent="0">
                   <a:buNone/>
                 </a:pPr>
-                <a:endParaRPr lang="en-US" dirty="0" smtClean="0"/>
+                <a:endParaRPr lang="en-US" dirty="0"/>
               </a:p>
               <a:p>
                 <a:pPr marL="0" indent="0">
@@ -4556,7 +4483,7 @@
                     </m:oMath>
                   </m:oMathPara>
                 </a14:m>
-                <a:endParaRPr lang="en-US" dirty="0" smtClean="0"/>
+                <a:endParaRPr lang="en-US" dirty="0"/>
               </a:p>
               <a:p>
                 <a:pPr marL="0" indent="0">
@@ -4569,7 +4496,7 @@
                   <a:buNone/>
                 </a:pPr>
                 <a:r>
-                  <a:rPr lang="ru-RU" dirty="0" smtClean="0"/>
+                  <a:rPr lang="ru-RU" dirty="0"/>
                   <a:t>Его знак указывает на расположение точки </a:t>
                 </a:r>
                 <a14:m>
@@ -4583,7 +4510,7 @@
                   </m:oMath>
                 </a14:m>
                 <a:r>
-                  <a:rPr lang="ru-RU" dirty="0" smtClean="0"/>
+                  <a:rPr lang="ru-RU" dirty="0"/>
                   <a:t> относительно прямой </a:t>
                 </a:r>
                 <a14:m>
@@ -4596,18 +4523,18 @@
                     </m:r>
                   </m:oMath>
                 </a14:m>
-                <a:endParaRPr lang="en-US" dirty="0" smtClean="0"/>
+                <a:endParaRPr lang="en-US" dirty="0"/>
               </a:p>
               <a:p>
                 <a:pPr marL="0" indent="0">
                   <a:buNone/>
                 </a:pPr>
                 <a:r>
-                  <a:rPr lang="ru-RU" dirty="0" smtClean="0"/>
+                  <a:rPr lang="ru-RU" dirty="0"/>
                   <a:t>Подразумевается, что</a:t>
                 </a:r>
                 <a:r>
-                  <a:rPr lang="en-US" dirty="0" smtClean="0"/>
+                  <a:rPr lang="en-US" dirty="0"/>
                   <a:t> </a:t>
                 </a:r>
                 <a14:m>
@@ -4670,12 +4597,12 @@
                     </m:sSub>
                   </m:oMath>
                 </a14:m>
-                <a:endParaRPr lang="en-US" dirty="0" smtClean="0"/>
+                <a:endParaRPr lang="en-US" dirty="0"/>
               </a:p>
             </p:txBody>
           </p:sp>
         </mc:Choice>
-        <mc:Fallback xmlns="">
+        <mc:Fallback>
           <p:sp>
             <p:nvSpPr>
               <p:cNvPr id="3" name="Объект 2"/>
@@ -4688,13 +4615,13 @@
             </p:nvSpPr>
             <p:spPr>
               <a:xfrm>
-                <a:off x="838199" y="1825625"/>
-                <a:ext cx="10964779" cy="4351338"/>
+                <a:off x="246871" y="1690688"/>
+                <a:ext cx="6801709" cy="4351338"/>
               </a:xfrm>
               <a:blipFill>
                 <a:blip r:embed="rId2"/>
                 <a:stretch>
-                  <a:fillRect l="-1112" t="-2241"/>
+                  <a:fillRect l="-1792" t="-2381" r="-1434"/>
                 </a:stretch>
               </a:blipFill>
             </p:spPr>
@@ -4713,6 +4640,42 @@
           </p:sp>
         </mc:Fallback>
       </mc:AlternateContent>
+      <p:pic>
+        <p:nvPicPr>
+          <p:cNvPr id="4" name="Рисунок 4">
+            <a:extLst>
+              <a:ext uri="{FF2B5EF4-FFF2-40B4-BE49-F238E27FC236}">
+                <a16:creationId xmlns:a16="http://schemas.microsoft.com/office/drawing/2014/main" id="{C29666E3-6911-D944-B434-D099FCC1512D}"/>
+              </a:ext>
+            </a:extLst>
+          </p:cNvPr>
+          <p:cNvPicPr>
+            <a:picLocks noChangeAspect="1"/>
+          </p:cNvPicPr>
+          <p:nvPr/>
+        </p:nvPicPr>
+        <p:blipFill>
+          <a:blip r:embed="rId3">
+            <a:extLst>
+              <a:ext uri="{28A0092B-C50C-407E-A947-70E740481C1C}">
+                <a14:useLocalDpi xmlns:a14="http://schemas.microsoft.com/office/drawing/2010/main" val="0"/>
+              </a:ext>
+            </a:extLst>
+          </a:blip>
+          <a:stretch>
+            <a:fillRect/>
+          </a:stretch>
+        </p:blipFill>
+        <p:spPr>
+          <a:xfrm>
+            <a:off x="6920888" y="757638"/>
+            <a:ext cx="5116719" cy="5737612"/>
+          </a:xfrm>
+          <a:prstGeom prst="rect">
+            <a:avLst/>
+          </a:prstGeom>
+        </p:spPr>
+      </p:pic>
     </p:spTree>
     <p:extLst>
       <p:ext uri="{BB962C8B-B14F-4D97-AF65-F5344CB8AC3E}">
@@ -4723,13 +4686,6 @@
   <p:clrMapOvr>
     <a:masterClrMapping/>
   </p:clrMapOvr>
-  <p:timing>
-    <p:tnLst>
-      <p:par>
-        <p:cTn id="1" dur="indefinite" restart="never" nodeType="tmRoot"/>
-      </p:par>
-    </p:tnLst>
-  </p:timing>
 </p:sld>
 </file>
 
@@ -4766,7 +4722,7 @@
           <a:lstStyle/>
           <a:p>
             <a:r>
-              <a:rPr lang="en-US" dirty="0" smtClean="0">
+              <a:rPr lang="en-US" dirty="0">
                 <a:latin typeface="Matura MT Script Capitals" panose="03020802060602070202" pitchFamily="66" charset="0"/>
               </a:rPr>
               <a:t>We need to go deeper</a:t>
@@ -4789,7 +4745,12 @@
                 <p:ph idx="1"/>
               </p:nvPr>
             </p:nvSpPr>
-            <p:spPr/>
+            <p:spPr>
+              <a:xfrm>
+                <a:off x="838200" y="1297833"/>
+                <a:ext cx="6098498" cy="5400102"/>
+              </a:xfrm>
+            </p:spPr>
             <p:txBody>
               <a:bodyPr/>
               <a:lstStyle/>
@@ -4798,16 +4759,8 @@
                   <a:buNone/>
                 </a:pPr>
                 <a:r>
-                  <a:rPr lang="ru-RU" dirty="0" smtClean="0"/>
-                  <a:t>Чтобы понять, с какой стороны произошло проникновение, можно посчитать расстояния от проникшей точки до сторон многоугольника, в который она проникла</a:t>
-                </a:r>
-                <a:r>
                   <a:rPr lang="ru-RU" dirty="0"/>
-                  <a:t> </a:t>
-                </a:r>
-                <a:r>
-                  <a:rPr lang="ru-RU" dirty="0" smtClean="0"/>
-                  <a:t>и выбрать минимальное:</a:t>
+                  <a:t>Чтобы понять, с какой стороны произошло проникновение, можно посчитать расстояния от проникшей точки до сторон многоугольника, в который она проникла и выбрать минимальное:</a:t>
                 </a:r>
               </a:p>
               <a:p>
@@ -5167,14 +5120,14 @@
                     </m:oMath>
                   </m:oMathPara>
                 </a14:m>
-                <a:endParaRPr lang="en-US" dirty="0" smtClean="0"/>
+                <a:endParaRPr lang="en-US" dirty="0"/>
               </a:p>
               <a:p>
                 <a:pPr marL="0" indent="0">
                   <a:buNone/>
                 </a:pPr>
                 <a:r>
-                  <a:rPr lang="ru-RU" dirty="0" smtClean="0"/>
+                  <a:rPr lang="ru-RU" dirty="0"/>
                   <a:t>Где </a:t>
                 </a:r>
                 <a14:m>
@@ -5194,7 +5147,7 @@
                   </m:oMath>
                 </a14:m>
                 <a:r>
-                  <a:rPr lang="ru-RU" dirty="0" smtClean="0"/>
+                  <a:rPr lang="ru-RU" dirty="0"/>
                   <a:t> проникшая точка, </a:t>
                 </a:r>
                 <a14:m>
@@ -5208,11 +5161,11 @@
                   </m:oMath>
                 </a14:m>
                 <a:r>
-                  <a:rPr lang="en-US" dirty="0" smtClean="0"/>
+                  <a:rPr lang="en-US" dirty="0"/>
                   <a:t> </a:t>
                 </a:r>
                 <a:r>
-                  <a:rPr lang="ru-RU" dirty="0" smtClean="0"/>
+                  <a:rPr lang="ru-RU" dirty="0"/>
                   <a:t>и </a:t>
                 </a:r>
                 <a14:m>
@@ -5232,11 +5185,11 @@
                   </m:oMath>
                 </a14:m>
                 <a:r>
-                  <a:rPr lang="en-US" dirty="0" smtClean="0"/>
+                  <a:rPr lang="en-US" dirty="0"/>
                   <a:t> </a:t>
                 </a:r>
                 <a:r>
-                  <a:rPr lang="ru-RU" dirty="0" smtClean="0"/>
+                  <a:rPr lang="ru-RU" dirty="0"/>
                   <a:t>смежные вершины многоугольника, в который она проникла</a:t>
                 </a:r>
               </a:p>
@@ -5255,10 +5208,14 @@
               </p:nvPr>
             </p:nvSpPr>
             <p:spPr>
+              <a:xfrm>
+                <a:off x="838200" y="1297833"/>
+                <a:ext cx="6098498" cy="5400102"/>
+              </a:xfrm>
               <a:blipFill>
                 <a:blip r:embed="rId2"/>
                 <a:stretch>
-                  <a:fillRect l="-1217" t="-2241" r="-406"/>
+                  <a:fillRect l="-2100" t="-2032" r="-900" b="-1580"/>
                 </a:stretch>
               </a:blipFill>
             </p:spPr>
@@ -5277,6 +5234,128 @@
           </p:sp>
         </mc:Fallback>
       </mc:AlternateContent>
+      <p:pic>
+        <p:nvPicPr>
+          <p:cNvPr id="8" name="Рисунок 8">
+            <a:extLst>
+              <a:ext uri="{FF2B5EF4-FFF2-40B4-BE49-F238E27FC236}">
+                <a16:creationId xmlns:a16="http://schemas.microsoft.com/office/drawing/2014/main" id="{6868AAD6-BDEE-B847-9C9E-C3FA1A68DD10}"/>
+              </a:ext>
+            </a:extLst>
+          </p:cNvPr>
+          <p:cNvPicPr>
+            <a:picLocks noChangeAspect="1"/>
+          </p:cNvPicPr>
+          <p:nvPr/>
+        </p:nvPicPr>
+        <p:blipFill>
+          <a:blip r:embed="rId3">
+            <a:extLst>
+              <a:ext uri="{28A0092B-C50C-407E-A947-70E740481C1C}">
+                <a14:useLocalDpi xmlns:a14="http://schemas.microsoft.com/office/drawing/2010/main" val="0"/>
+              </a:ext>
+            </a:extLst>
+          </a:blip>
+          <a:stretch>
+            <a:fillRect/>
+          </a:stretch>
+        </p:blipFill>
+        <p:spPr>
+          <a:xfrm>
+            <a:off x="7247545" y="238424"/>
+            <a:ext cx="4813152" cy="6459511"/>
+          </a:xfrm>
+          <a:prstGeom prst="rect">
+            <a:avLst/>
+          </a:prstGeom>
+        </p:spPr>
+      </p:pic>
+      <p:sp>
+        <p:nvSpPr>
+          <p:cNvPr id="11" name="TextBox 10">
+            <a:extLst>
+              <a:ext uri="{FF2B5EF4-FFF2-40B4-BE49-F238E27FC236}">
+                <a16:creationId xmlns:a16="http://schemas.microsoft.com/office/drawing/2014/main" id="{9BF43A17-220F-D944-93ED-96028841E809}"/>
+              </a:ext>
+            </a:extLst>
+          </p:cNvPr>
+          <p:cNvSpPr txBox="1"/>
+          <p:nvPr/>
+        </p:nvSpPr>
+        <p:spPr>
+          <a:xfrm>
+            <a:off x="7973311" y="5571916"/>
+            <a:ext cx="1828800" cy="369332"/>
+          </a:xfrm>
+          <a:prstGeom prst="rect">
+            <a:avLst/>
+          </a:prstGeom>
+          <a:noFill/>
+        </p:spPr>
+        <p:txBody>
+          <a:bodyPr wrap="square" rtlCol="0">
+            <a:spAutoFit/>
+          </a:bodyPr>
+          <a:lstStyle/>
+          <a:p>
+            <a:pPr algn="l"/>
+            <a:r>
+              <a:rPr lang="el-GR" b="0" i="0">
+                <a:solidFill>
+                  <a:srgbClr val="222222"/>
+                </a:solidFill>
+                <a:effectLst/>
+                <a:latin typeface="palatino linotype" panose="020F0502020204030204" pitchFamily="34" charset="0"/>
+              </a:rPr>
+              <a:t>α</a:t>
+            </a:r>
+            <a:endParaRPr lang="ru-RU"/>
+          </a:p>
+        </p:txBody>
+      </p:sp>
+      <p:sp>
+        <p:nvSpPr>
+          <p:cNvPr id="12" name="TextBox 11">
+            <a:extLst>
+              <a:ext uri="{FF2B5EF4-FFF2-40B4-BE49-F238E27FC236}">
+                <a16:creationId xmlns:a16="http://schemas.microsoft.com/office/drawing/2014/main" id="{E59F477B-07AB-C147-B241-0335E2E5AB80}"/>
+              </a:ext>
+            </a:extLst>
+          </p:cNvPr>
+          <p:cNvSpPr txBox="1"/>
+          <p:nvPr/>
+        </p:nvSpPr>
+        <p:spPr>
+          <a:xfrm>
+            <a:off x="11038298" y="5459864"/>
+            <a:ext cx="1828800" cy="369332"/>
+          </a:xfrm>
+          <a:prstGeom prst="rect">
+            <a:avLst/>
+          </a:prstGeom>
+          <a:noFill/>
+        </p:spPr>
+        <p:txBody>
+          <a:bodyPr wrap="square" rtlCol="0">
+            <a:spAutoFit/>
+          </a:bodyPr>
+          <a:lstStyle/>
+          <a:p>
+            <a:pPr algn="l"/>
+            <a:r>
+              <a:rPr lang="el-GR" b="0" i="0">
+                <a:solidFill>
+                  <a:srgbClr val="222222"/>
+                </a:solidFill>
+                <a:effectLst/>
+                <a:latin typeface="palatino linotype" panose="02040502050505030304" pitchFamily="18" charset="0"/>
+              </a:rPr>
+              <a:t>β</a:t>
+            </a:r>
+            <a:endParaRPr lang="ru-RU"/>
+          </a:p>
+        </p:txBody>
+      </p:sp>
     </p:spTree>
     <p:extLst>
       <p:ext uri="{BB962C8B-B14F-4D97-AF65-F5344CB8AC3E}">
@@ -5287,13 +5366,6 @@
   <p:clrMapOvr>
     <a:masterClrMapping/>
   </p:clrMapOvr>
-  <p:timing>
-    <p:tnLst>
-      <p:par>
-        <p:cTn id="1" dur="indefinite" restart="never" nodeType="tmRoot"/>
-      </p:par>
-    </p:tnLst>
-  </p:timing>
 </p:sld>
 </file>
 
@@ -5335,10 +5407,9 @@
           <a:lstStyle/>
           <a:p>
             <a:r>
-              <a:rPr lang="ru-RU" dirty="0" smtClean="0"/>
+              <a:rPr lang="ru-RU" dirty="0"/>
               <a:t>Всё было так просто?</a:t>
             </a:r>
-            <a:endParaRPr lang="ru-RU" dirty="0"/>
           </a:p>
         </p:txBody>
       </p:sp>
@@ -5366,10 +5437,9 @@
               <a:buNone/>
             </a:pPr>
             <a:r>
-              <a:rPr lang="ru-RU" dirty="0" smtClean="0"/>
+              <a:rPr lang="ru-RU" dirty="0"/>
               <a:t>Не всё. Вот так, например, было с правильными многоугольниками:</a:t>
             </a:r>
-            <a:endParaRPr lang="ru-RU" dirty="0"/>
           </a:p>
         </p:txBody>
       </p:sp>
